--- a/web/Karpe Diem.pptx
+++ b/web/Karpe Diem.pptx
@@ -108,6 +108,11 @@
       </a:defRPr>
     </a:lvl9pPr>
   </p:defaultTextStyle>
+  <p:extLst>
+    <p:ext uri="{EFAFB233-063F-42B5-8137-9DF3F51BA10A}">
+      <p15:sldGuideLst xmlns:p15="http://schemas.microsoft.com/office/powerpoint/2012/main"/>
+    </p:ext>
+  </p:extLst>
 </p:presentation>
 </file>
 
@@ -385,7 +390,7 @@
           <a:p>
             <a:fld id="{E61BB90C-5236-411C-ADF8-24C469F6DE52}" type="datetimeFigureOut">
               <a:rPr lang="en-US" smtClean="0"/>
-              <a:t>5/2/2016</a:t>
+              <a:t>5/3/2016</a:t>
             </a:fld>
             <a:endParaRPr lang="en-US"/>
           </a:p>
@@ -448,13 +453,13 @@
   <p:clrMapOvr>
     <a:masterClrMapping/>
   </p:clrMapOvr>
-  <mc:AlternateContent xmlns:mc="http://schemas.openxmlformats.org/markup-compatibility/2006">
-    <mc:Choice xmlns:p14="http://schemas.microsoft.com/office/powerpoint/2010/main" Requires="p14">
+  <mc:AlternateContent xmlns:mc="http://schemas.openxmlformats.org/markup-compatibility/2006" xmlns:p14="http://schemas.microsoft.com/office/powerpoint/2010/main">
+    <mc:Choice Requires="p14">
       <p:transition spd="slow" p14:dur="1400">
         <p14:ripple/>
       </p:transition>
     </mc:Choice>
-    <mc:Fallback>
+    <mc:Fallback xmlns="">
       <p:transition spd="slow">
         <p:fade/>
       </p:transition>
@@ -811,7 +816,7 @@
           <a:p>
             <a:fld id="{E61BB90C-5236-411C-ADF8-24C469F6DE52}" type="datetimeFigureOut">
               <a:rPr lang="en-US" smtClean="0"/>
-              <a:t>5/2/2016</a:t>
+              <a:t>5/3/2016</a:t>
             </a:fld>
             <a:endParaRPr lang="en-US"/>
           </a:p>
@@ -874,13 +879,13 @@
   <p:clrMapOvr>
     <a:masterClrMapping/>
   </p:clrMapOvr>
-  <mc:AlternateContent xmlns:mc="http://schemas.openxmlformats.org/markup-compatibility/2006">
-    <mc:Choice xmlns:p14="http://schemas.microsoft.com/office/powerpoint/2010/main" Requires="p14">
+  <mc:AlternateContent xmlns:mc="http://schemas.openxmlformats.org/markup-compatibility/2006" xmlns:p14="http://schemas.microsoft.com/office/powerpoint/2010/main">
+    <mc:Choice Requires="p14">
       <p:transition spd="slow" p14:dur="1400">
         <p14:ripple/>
       </p:transition>
     </mc:Choice>
-    <mc:Fallback>
+    <mc:Fallback xmlns="">
       <p:transition spd="slow">
         <p:fade/>
       </p:transition>
@@ -1159,7 +1164,7 @@
           <a:p>
             <a:fld id="{E61BB90C-5236-411C-ADF8-24C469F6DE52}" type="datetimeFigureOut">
               <a:rPr lang="en-US" smtClean="0"/>
-              <a:t>5/2/2016</a:t>
+              <a:t>5/3/2016</a:t>
             </a:fld>
             <a:endParaRPr lang="en-US"/>
           </a:p>
@@ -1222,13 +1227,13 @@
   <p:clrMapOvr>
     <a:masterClrMapping/>
   </p:clrMapOvr>
-  <mc:AlternateContent xmlns:mc="http://schemas.openxmlformats.org/markup-compatibility/2006">
-    <mc:Choice xmlns:p14="http://schemas.microsoft.com/office/powerpoint/2010/main" Requires="p14">
+  <mc:AlternateContent xmlns:mc="http://schemas.openxmlformats.org/markup-compatibility/2006" xmlns:p14="http://schemas.microsoft.com/office/powerpoint/2010/main">
+    <mc:Choice Requires="p14">
       <p:transition spd="slow" p14:dur="1400">
         <p14:ripple/>
       </p:transition>
     </mc:Choice>
-    <mc:Fallback>
+    <mc:Fallback xmlns="">
       <p:transition spd="slow">
         <p:fade/>
       </p:transition>
@@ -1576,7 +1581,7 @@
           <a:p>
             <a:fld id="{E61BB90C-5236-411C-ADF8-24C469F6DE52}" type="datetimeFigureOut">
               <a:rPr lang="en-US" smtClean="0"/>
-              <a:t>5/2/2016</a:t>
+              <a:t>5/3/2016</a:t>
             </a:fld>
             <a:endParaRPr lang="en-US"/>
           </a:p>
@@ -1871,13 +1876,13 @@
   <p:clrMapOvr>
     <a:masterClrMapping/>
   </p:clrMapOvr>
-  <mc:AlternateContent xmlns:mc="http://schemas.openxmlformats.org/markup-compatibility/2006">
-    <mc:Choice xmlns:p14="http://schemas.microsoft.com/office/powerpoint/2010/main" Requires="p14">
+  <mc:AlternateContent xmlns:mc="http://schemas.openxmlformats.org/markup-compatibility/2006" xmlns:p14="http://schemas.microsoft.com/office/powerpoint/2010/main">
+    <mc:Choice Requires="p14">
       <p:transition spd="slow" p14:dur="1400">
         <p14:ripple/>
       </p:transition>
     </mc:Choice>
-    <mc:Fallback>
+    <mc:Fallback xmlns="">
       <p:transition spd="slow">
         <p:fade/>
       </p:transition>
@@ -2156,7 +2161,7 @@
           <a:p>
             <a:fld id="{E61BB90C-5236-411C-ADF8-24C469F6DE52}" type="datetimeFigureOut">
               <a:rPr lang="en-US" smtClean="0"/>
-              <a:t>5/2/2016</a:t>
+              <a:t>5/3/2016</a:t>
             </a:fld>
             <a:endParaRPr lang="en-US"/>
           </a:p>
@@ -2219,13 +2224,13 @@
   <p:clrMapOvr>
     <a:masterClrMapping/>
   </p:clrMapOvr>
-  <mc:AlternateContent xmlns:mc="http://schemas.openxmlformats.org/markup-compatibility/2006">
-    <mc:Choice xmlns:p14="http://schemas.microsoft.com/office/powerpoint/2010/main" Requires="p14">
+  <mc:AlternateContent xmlns:mc="http://schemas.openxmlformats.org/markup-compatibility/2006" xmlns:p14="http://schemas.microsoft.com/office/powerpoint/2010/main">
+    <mc:Choice Requires="p14">
       <p:transition spd="slow" p14:dur="1400">
         <p14:ripple/>
       </p:transition>
     </mc:Choice>
-    <mc:Fallback>
+    <mc:Fallback xmlns="">
       <p:transition spd="slow">
         <p:fade/>
       </p:transition>
@@ -2849,7 +2854,7 @@
           <a:p>
             <a:fld id="{E61BB90C-5236-411C-ADF8-24C469F6DE52}" type="datetimeFigureOut">
               <a:rPr lang="en-US" smtClean="0"/>
-              <a:t>5/2/2016</a:t>
+              <a:t>5/3/2016</a:t>
             </a:fld>
             <a:endParaRPr lang="en-US"/>
           </a:p>
@@ -2907,13 +2912,13 @@
   <p:clrMapOvr>
     <a:masterClrMapping/>
   </p:clrMapOvr>
-  <mc:AlternateContent xmlns:mc="http://schemas.openxmlformats.org/markup-compatibility/2006">
-    <mc:Choice xmlns:p14="http://schemas.microsoft.com/office/powerpoint/2010/main" Requires="p14">
+  <mc:AlternateContent xmlns:mc="http://schemas.openxmlformats.org/markup-compatibility/2006" xmlns:p14="http://schemas.microsoft.com/office/powerpoint/2010/main">
+    <mc:Choice Requires="p14">
       <p:transition spd="slow" p14:dur="1400">
         <p14:ripple/>
       </p:transition>
     </mc:Choice>
-    <mc:Fallback>
+    <mc:Fallback xmlns="">
       <p:transition spd="slow">
         <p:fade/>
       </p:transition>
@@ -3774,7 +3779,7 @@
           <a:p>
             <a:fld id="{E61BB90C-5236-411C-ADF8-24C469F6DE52}" type="datetimeFigureOut">
               <a:rPr lang="en-US" smtClean="0"/>
-              <a:t>5/2/2016</a:t>
+              <a:t>5/3/2016</a:t>
             </a:fld>
             <a:endParaRPr lang="en-US"/>
           </a:p>
@@ -3832,13 +3837,13 @@
   <p:clrMapOvr>
     <a:masterClrMapping/>
   </p:clrMapOvr>
-  <mc:AlternateContent xmlns:mc="http://schemas.openxmlformats.org/markup-compatibility/2006">
-    <mc:Choice xmlns:p14="http://schemas.microsoft.com/office/powerpoint/2010/main" Requires="p14">
+  <mc:AlternateContent xmlns:mc="http://schemas.openxmlformats.org/markup-compatibility/2006" xmlns:p14="http://schemas.microsoft.com/office/powerpoint/2010/main">
+    <mc:Choice Requires="p14">
       <p:transition spd="slow" p14:dur="1400">
         <p14:ripple/>
       </p:transition>
     </mc:Choice>
-    <mc:Fallback>
+    <mc:Fallback xmlns="">
       <p:transition spd="slow">
         <p:fade/>
       </p:transition>
@@ -4099,7 +4104,7 @@
           <a:p>
             <a:fld id="{E61BB90C-5236-411C-ADF8-24C469F6DE52}" type="datetimeFigureOut">
               <a:rPr lang="en-US" smtClean="0"/>
-              <a:t>5/2/2016</a:t>
+              <a:t>5/3/2016</a:t>
             </a:fld>
             <a:endParaRPr lang="en-US"/>
           </a:p>
@@ -4157,13 +4162,13 @@
   <p:clrMapOvr>
     <a:masterClrMapping/>
   </p:clrMapOvr>
-  <mc:AlternateContent xmlns:mc="http://schemas.openxmlformats.org/markup-compatibility/2006">
-    <mc:Choice xmlns:p14="http://schemas.microsoft.com/office/powerpoint/2010/main" Requires="p14">
+  <mc:AlternateContent xmlns:mc="http://schemas.openxmlformats.org/markup-compatibility/2006" xmlns:p14="http://schemas.microsoft.com/office/powerpoint/2010/main">
+    <mc:Choice Requires="p14">
       <p:transition spd="slow" p14:dur="1400">
         <p14:ripple/>
       </p:transition>
     </mc:Choice>
-    <mc:Fallback>
+    <mc:Fallback xmlns="">
       <p:transition spd="slow">
         <p:fade/>
       </p:transition>
@@ -4375,7 +4380,7 @@
           <a:p>
             <a:fld id="{E61BB90C-5236-411C-ADF8-24C469F6DE52}" type="datetimeFigureOut">
               <a:rPr lang="en-US" smtClean="0"/>
-              <a:t>5/2/2016</a:t>
+              <a:t>5/3/2016</a:t>
             </a:fld>
             <a:endParaRPr lang="en-US"/>
           </a:p>
@@ -4447,13 +4452,13 @@
   <p:clrMapOvr>
     <a:masterClrMapping/>
   </p:clrMapOvr>
-  <mc:AlternateContent xmlns:mc="http://schemas.openxmlformats.org/markup-compatibility/2006">
-    <mc:Choice xmlns:p14="http://schemas.microsoft.com/office/powerpoint/2010/main" Requires="p14">
+  <mc:AlternateContent xmlns:mc="http://schemas.openxmlformats.org/markup-compatibility/2006" xmlns:p14="http://schemas.microsoft.com/office/powerpoint/2010/main">
+    <mc:Choice Requires="p14">
       <p:transition spd="slow" p14:dur="1400">
         <p14:ripple/>
       </p:transition>
     </mc:Choice>
-    <mc:Fallback>
+    <mc:Fallback xmlns="">
       <p:transition spd="slow">
         <p:fade/>
       </p:transition>
@@ -4710,7 +4715,7 @@
           <a:p>
             <a:fld id="{E61BB90C-5236-411C-ADF8-24C469F6DE52}" type="datetimeFigureOut">
               <a:rPr lang="en-US" smtClean="0"/>
-              <a:t>5/2/2016</a:t>
+              <a:t>5/3/2016</a:t>
             </a:fld>
             <a:endParaRPr lang="en-US"/>
           </a:p>
@@ -4768,13 +4773,13 @@
   <p:clrMapOvr>
     <a:masterClrMapping/>
   </p:clrMapOvr>
-  <mc:AlternateContent xmlns:mc="http://schemas.openxmlformats.org/markup-compatibility/2006">
-    <mc:Choice xmlns:p14="http://schemas.microsoft.com/office/powerpoint/2010/main" Requires="p14">
+  <mc:AlternateContent xmlns:mc="http://schemas.openxmlformats.org/markup-compatibility/2006" xmlns:p14="http://schemas.microsoft.com/office/powerpoint/2010/main">
+    <mc:Choice Requires="p14">
       <p:transition spd="slow" p14:dur="1400">
         <p14:ripple/>
       </p:transition>
     </mc:Choice>
-    <mc:Fallback>
+    <mc:Fallback xmlns="">
       <p:transition spd="slow">
         <p:fade/>
       </p:transition>
@@ -5111,7 +5116,7 @@
           <a:p>
             <a:fld id="{E61BB90C-5236-411C-ADF8-24C469F6DE52}" type="datetimeFigureOut">
               <a:rPr lang="en-US" smtClean="0"/>
-              <a:t>5/2/2016</a:t>
+              <a:t>5/3/2016</a:t>
             </a:fld>
             <a:endParaRPr lang="en-US"/>
           </a:p>
@@ -5174,13 +5179,13 @@
   <p:clrMapOvr>
     <a:masterClrMapping/>
   </p:clrMapOvr>
-  <mc:AlternateContent xmlns:mc="http://schemas.openxmlformats.org/markup-compatibility/2006">
-    <mc:Choice xmlns:p14="http://schemas.microsoft.com/office/powerpoint/2010/main" Requires="p14">
+  <mc:AlternateContent xmlns:mc="http://schemas.openxmlformats.org/markup-compatibility/2006" xmlns:p14="http://schemas.microsoft.com/office/powerpoint/2010/main">
+    <mc:Choice Requires="p14">
       <p:transition spd="slow" p14:dur="1400">
         <p14:ripple/>
       </p:transition>
     </mc:Choice>
-    <mc:Fallback>
+    <mc:Fallback xmlns="">
       <p:transition spd="slow">
         <p:fade/>
       </p:transition>
@@ -5499,7 +5504,7 @@
           <a:p>
             <a:fld id="{E61BB90C-5236-411C-ADF8-24C469F6DE52}" type="datetimeFigureOut">
               <a:rPr lang="en-US" smtClean="0"/>
-              <a:t>5/2/2016</a:t>
+              <a:t>5/3/2016</a:t>
             </a:fld>
             <a:endParaRPr lang="en-US"/>
           </a:p>
@@ -5557,13 +5562,13 @@
   <p:clrMapOvr>
     <a:masterClrMapping/>
   </p:clrMapOvr>
-  <mc:AlternateContent xmlns:mc="http://schemas.openxmlformats.org/markup-compatibility/2006">
-    <mc:Choice xmlns:p14="http://schemas.microsoft.com/office/powerpoint/2010/main" Requires="p14">
+  <mc:AlternateContent xmlns:mc="http://schemas.openxmlformats.org/markup-compatibility/2006" xmlns:p14="http://schemas.microsoft.com/office/powerpoint/2010/main">
+    <mc:Choice Requires="p14">
       <p:transition spd="slow" p14:dur="1400">
         <p14:ripple/>
       </p:transition>
     </mc:Choice>
-    <mc:Fallback>
+    <mc:Fallback xmlns="">
       <p:transition spd="slow">
         <p:fade/>
       </p:transition>
@@ -6017,7 +6022,7 @@
           <a:p>
             <a:fld id="{E61BB90C-5236-411C-ADF8-24C469F6DE52}" type="datetimeFigureOut">
               <a:rPr lang="en-US" smtClean="0"/>
-              <a:t>5/2/2016</a:t>
+              <a:t>5/3/2016</a:t>
             </a:fld>
             <a:endParaRPr lang="en-US"/>
           </a:p>
@@ -6075,13 +6080,13 @@
   <p:clrMapOvr>
     <a:masterClrMapping/>
   </p:clrMapOvr>
-  <mc:AlternateContent xmlns:mc="http://schemas.openxmlformats.org/markup-compatibility/2006">
-    <mc:Choice xmlns:p14="http://schemas.microsoft.com/office/powerpoint/2010/main" Requires="p14">
+  <mc:AlternateContent xmlns:mc="http://schemas.openxmlformats.org/markup-compatibility/2006" xmlns:p14="http://schemas.microsoft.com/office/powerpoint/2010/main">
+    <mc:Choice Requires="p14">
       <p:transition spd="slow" p14:dur="1400">
         <p14:ripple/>
       </p:transition>
     </mc:Choice>
-    <mc:Fallback>
+    <mc:Fallback xmlns="">
       <p:transition spd="slow">
         <p:fade/>
       </p:transition>
@@ -6286,7 +6291,7 @@
           <a:p>
             <a:fld id="{E61BB90C-5236-411C-ADF8-24C469F6DE52}" type="datetimeFigureOut">
               <a:rPr lang="en-US" smtClean="0"/>
-              <a:t>5/2/2016</a:t>
+              <a:t>5/3/2016</a:t>
             </a:fld>
             <a:endParaRPr lang="en-US"/>
           </a:p>
@@ -6344,13 +6349,13 @@
   <p:clrMapOvr>
     <a:masterClrMapping/>
   </p:clrMapOvr>
-  <mc:AlternateContent xmlns:mc="http://schemas.openxmlformats.org/markup-compatibility/2006">
-    <mc:Choice xmlns:p14="http://schemas.microsoft.com/office/powerpoint/2010/main" Requires="p14">
+  <mc:AlternateContent xmlns:mc="http://schemas.openxmlformats.org/markup-compatibility/2006" xmlns:p14="http://schemas.microsoft.com/office/powerpoint/2010/main">
+    <mc:Choice Requires="p14">
       <p:transition spd="slow" p14:dur="1400">
         <p14:ripple/>
       </p:transition>
     </mc:Choice>
-    <mc:Fallback>
+    <mc:Fallback xmlns="">
       <p:transition spd="slow">
         <p:fade/>
       </p:transition>
@@ -6461,7 +6466,7 @@
           <a:p>
             <a:fld id="{E61BB90C-5236-411C-ADF8-24C469F6DE52}" type="datetimeFigureOut">
               <a:rPr lang="en-US" smtClean="0"/>
-              <a:t>5/2/2016</a:t>
+              <a:t>5/3/2016</a:t>
             </a:fld>
             <a:endParaRPr lang="en-US"/>
           </a:p>
@@ -6519,13 +6524,13 @@
   <p:clrMapOvr>
     <a:masterClrMapping/>
   </p:clrMapOvr>
-  <mc:AlternateContent xmlns:mc="http://schemas.openxmlformats.org/markup-compatibility/2006">
-    <mc:Choice xmlns:p14="http://schemas.microsoft.com/office/powerpoint/2010/main" Requires="p14">
+  <mc:AlternateContent xmlns:mc="http://schemas.openxmlformats.org/markup-compatibility/2006" xmlns:p14="http://schemas.microsoft.com/office/powerpoint/2010/main">
+    <mc:Choice Requires="p14">
       <p:transition spd="slow" p14:dur="1400">
         <p14:ripple/>
       </p:transition>
     </mc:Choice>
-    <mc:Fallback>
+    <mc:Fallback xmlns="">
       <p:transition spd="slow">
         <p:fade/>
       </p:transition>
@@ -6863,7 +6868,7 @@
           <a:p>
             <a:fld id="{E61BB90C-5236-411C-ADF8-24C469F6DE52}" type="datetimeFigureOut">
               <a:rPr lang="en-US" smtClean="0"/>
-              <a:t>5/2/2016</a:t>
+              <a:t>5/3/2016</a:t>
             </a:fld>
             <a:endParaRPr lang="en-US"/>
           </a:p>
@@ -6921,13 +6926,13 @@
   <p:clrMapOvr>
     <a:masterClrMapping/>
   </p:clrMapOvr>
-  <mc:AlternateContent xmlns:mc="http://schemas.openxmlformats.org/markup-compatibility/2006">
-    <mc:Choice xmlns:p14="http://schemas.microsoft.com/office/powerpoint/2010/main" Requires="p14">
+  <mc:AlternateContent xmlns:mc="http://schemas.openxmlformats.org/markup-compatibility/2006" xmlns:p14="http://schemas.microsoft.com/office/powerpoint/2010/main">
+    <mc:Choice Requires="p14">
       <p:transition spd="slow" p14:dur="1400">
         <p14:ripple/>
       </p:transition>
     </mc:Choice>
-    <mc:Fallback>
+    <mc:Fallback xmlns="">
       <p:transition spd="slow">
         <p:fade/>
       </p:transition>
@@ -7284,7 +7289,7 @@
           <a:p>
             <a:fld id="{E61BB90C-5236-411C-ADF8-24C469F6DE52}" type="datetimeFigureOut">
               <a:rPr lang="en-US" smtClean="0"/>
-              <a:t>5/2/2016</a:t>
+              <a:t>5/3/2016</a:t>
             </a:fld>
             <a:endParaRPr lang="en-US"/>
           </a:p>
@@ -7342,13 +7347,13 @@
   <p:clrMapOvr>
     <a:masterClrMapping/>
   </p:clrMapOvr>
-  <mc:AlternateContent xmlns:mc="http://schemas.openxmlformats.org/markup-compatibility/2006">
-    <mc:Choice xmlns:p14="http://schemas.microsoft.com/office/powerpoint/2010/main" Requires="p14">
+  <mc:AlternateContent xmlns:mc="http://schemas.openxmlformats.org/markup-compatibility/2006" xmlns:p14="http://schemas.microsoft.com/office/powerpoint/2010/main">
+    <mc:Choice Requires="p14">
       <p:transition spd="slow" p14:dur="1400">
         <p14:ripple/>
       </p:transition>
     </mc:Choice>
-    <mc:Fallback>
+    <mc:Fallback xmlns="">
       <p:transition spd="slow">
         <p:fade/>
       </p:transition>
@@ -7540,7 +7545,7 @@
           <a:p>
             <a:fld id="{E61BB90C-5236-411C-ADF8-24C469F6DE52}" type="datetimeFigureOut">
               <a:rPr lang="en-US" smtClean="0"/>
-              <a:t>5/2/2016</a:t>
+              <a:t>5/3/2016</a:t>
             </a:fld>
             <a:endParaRPr lang="en-US"/>
           </a:p>
@@ -7651,13 +7656,13 @@
     <p:sldLayoutId id="2147483676" r:id="rId16"/>
     <p:sldLayoutId id="2147483677" r:id="rId17"/>
   </p:sldLayoutIdLst>
-  <mc:AlternateContent xmlns:mc="http://schemas.openxmlformats.org/markup-compatibility/2006">
-    <mc:Choice xmlns:p14="http://schemas.microsoft.com/office/powerpoint/2010/main" Requires="p14">
+  <mc:AlternateContent xmlns:mc="http://schemas.openxmlformats.org/markup-compatibility/2006" xmlns:p14="http://schemas.microsoft.com/office/powerpoint/2010/main">
+    <mc:Choice Requires="p14">
       <p:transition spd="slow" p14:dur="1400">
         <p14:ripple/>
       </p:transition>
     </mc:Choice>
-    <mc:Fallback>
+    <mc:Fallback xmlns="">
       <p:transition spd="slow">
         <p:fade/>
       </p:transition>
@@ -8035,13 +8040,13 @@
   <p:clrMapOvr>
     <a:masterClrMapping/>
   </p:clrMapOvr>
-  <mc:AlternateContent xmlns:mc="http://schemas.openxmlformats.org/markup-compatibility/2006">
-    <mc:Choice xmlns:p14="http://schemas.microsoft.com/office/powerpoint/2010/main" Requires="p14">
+  <mc:AlternateContent xmlns:mc="http://schemas.openxmlformats.org/markup-compatibility/2006" xmlns:p14="http://schemas.microsoft.com/office/powerpoint/2010/main">
+    <mc:Choice Requires="p14">
       <p:transition spd="slow" p14:dur="1400">
         <p14:ripple/>
       </p:transition>
     </mc:Choice>
-    <mc:Fallback>
+    <mc:Fallback xmlns="">
       <p:transition spd="slow">
         <p:fade/>
       </p:transition>
@@ -8117,20 +8122,40 @@
           <a:bodyPr/>
           <a:lstStyle/>
           <a:p>
+            <a:pPr marL="0" indent="0">
+              <a:buNone/>
+            </a:pPr>
             <a:r>
               <a:rPr lang="en-US" dirty="0" smtClean="0"/>
-              <a:t>Common interest in video games </a:t>
-            </a:r>
-          </a:p>
-          <a:p>
-            <a:r>
-              <a:rPr lang="en-US" dirty="0" smtClean="0"/>
+              <a:t>To make a community for people who:</a:t>
+            </a:r>
+          </a:p>
+          <a:p>
+            <a:pPr lvl="1"/>
+            <a:r>
+              <a:rPr lang="en-US" sz="2400" dirty="0" smtClean="0"/>
+              <a:t>Have a c</a:t>
+            </a:r>
+            <a:r>
+              <a:rPr lang="en-US" sz="2400" dirty="0" smtClean="0"/>
+              <a:t>ommon </a:t>
+            </a:r>
+            <a:r>
+              <a:rPr lang="en-US" sz="2400" dirty="0" smtClean="0"/>
+              <a:t>interest in video games </a:t>
+            </a:r>
+          </a:p>
+          <a:p>
+            <a:pPr lvl="1"/>
+            <a:r>
+              <a:rPr lang="en-US" sz="2400" dirty="0" smtClean="0"/>
               <a:t>Like to be organized </a:t>
             </a:r>
           </a:p>
           <a:p>
-            <a:r>
-              <a:rPr lang="en-US" dirty="0" smtClean="0"/>
+            <a:pPr lvl="1"/>
+            <a:r>
+              <a:rPr lang="en-US" sz="2400" dirty="0" smtClean="0"/>
               <a:t>Like to be included in groups </a:t>
             </a:r>
           </a:p>
@@ -8161,7 +8186,7 @@
         </p:blipFill>
         <p:spPr>
           <a:xfrm>
-            <a:off x="6202013" y="2736667"/>
+            <a:off x="7074849" y="2736667"/>
             <a:ext cx="4590084" cy="3054939"/>
           </a:xfrm>
           <a:prstGeom prst="rect">
@@ -8188,13 +8213,13 @@
   <p:clrMapOvr>
     <a:masterClrMapping/>
   </p:clrMapOvr>
-  <mc:AlternateContent xmlns:mc="http://schemas.openxmlformats.org/markup-compatibility/2006">
-    <mc:Choice xmlns:p14="http://schemas.microsoft.com/office/powerpoint/2010/main" Requires="p14">
+  <mc:AlternateContent xmlns:mc="http://schemas.openxmlformats.org/markup-compatibility/2006" xmlns:p14="http://schemas.microsoft.com/office/powerpoint/2010/main">
+    <mc:Choice Requires="p14">
       <p:transition spd="slow" p14:dur="1400">
         <p14:ripple/>
       </p:transition>
     </mc:Choice>
-    <mc:Fallback>
+    <mc:Fallback xmlns="">
       <p:transition spd="slow">
         <p:fade/>
       </p:transition>
@@ -8279,25 +8304,25 @@
           <a:p>
             <a:pPr lvl="1"/>
             <a:r>
-              <a:rPr lang="en-US" dirty="0"/>
+              <a:rPr lang="en-US" sz="2400" dirty="0"/>
               <a:t>C</a:t>
             </a:r>
             <a:r>
-              <a:rPr lang="en-US" dirty="0" smtClean="0"/>
+              <a:rPr lang="en-US" sz="2400" dirty="0" smtClean="0"/>
               <a:t>ommunicate </a:t>
             </a:r>
           </a:p>
           <a:p>
             <a:pPr lvl="1"/>
             <a:r>
-              <a:rPr lang="en-US" dirty="0" smtClean="0"/>
+              <a:rPr lang="en-US" sz="2400" dirty="0" smtClean="0"/>
               <a:t>Coordinate events </a:t>
             </a:r>
           </a:p>
           <a:p>
             <a:pPr lvl="1"/>
             <a:r>
-              <a:rPr lang="en-US" dirty="0" smtClean="0"/>
+              <a:rPr lang="en-US" sz="2400" dirty="0" smtClean="0"/>
               <a:t>Share accolades </a:t>
             </a:r>
           </a:p>
@@ -8365,13 +8390,13 @@
   <p:clrMapOvr>
     <a:masterClrMapping/>
   </p:clrMapOvr>
-  <mc:AlternateContent xmlns:mc="http://schemas.openxmlformats.org/markup-compatibility/2006">
-    <mc:Choice xmlns:p14="http://schemas.microsoft.com/office/powerpoint/2010/main" Requires="p14">
+  <mc:AlternateContent xmlns:mc="http://schemas.openxmlformats.org/markup-compatibility/2006" xmlns:p14="http://schemas.microsoft.com/office/powerpoint/2010/main">
+    <mc:Choice Requires="p14">
       <p:transition spd="slow" p14:dur="1400">
         <p14:ripple/>
       </p:transition>
     </mc:Choice>
-    <mc:Fallback>
+    <mc:Fallback xmlns="">
       <p:transition spd="slow">
         <p:fade/>
       </p:transition>
@@ -8462,6 +8487,11 @@
               <a:rPr lang="en-US" dirty="0" smtClean="0"/>
               <a:t>Roster Page </a:t>
             </a:r>
+            <a:r>
+              <a:rPr lang="en-US" dirty="0" smtClean="0"/>
+              <a:t>framework</a:t>
+            </a:r>
+            <a:endParaRPr lang="en-US" dirty="0" smtClean="0"/>
           </a:p>
           <a:p>
             <a:r>
@@ -8475,6 +8505,11 @@
               <a:rPr lang="en-US" dirty="0" smtClean="0"/>
               <a:t>Login Page </a:t>
             </a:r>
+            <a:r>
+              <a:rPr lang="en-US" dirty="0" smtClean="0"/>
+              <a:t>framework</a:t>
+            </a:r>
+            <a:endParaRPr lang="en-US" dirty="0" smtClean="0"/>
           </a:p>
           <a:p>
             <a:pPr lvl="1"/>
@@ -8482,6 +8517,11 @@
               <a:rPr lang="en-US" dirty="0" smtClean="0"/>
               <a:t>Registration Page </a:t>
             </a:r>
+            <a:r>
+              <a:rPr lang="en-US" dirty="0" smtClean="0"/>
+              <a:t>framework</a:t>
+            </a:r>
+            <a:endParaRPr lang="en-US" dirty="0" smtClean="0"/>
           </a:p>
           <a:p>
             <a:r>
@@ -8495,18 +8535,32 @@
               <a:rPr lang="en-US" dirty="0" smtClean="0"/>
               <a:t>Account Page </a:t>
             </a:r>
+            <a:r>
+              <a:rPr lang="en-US" dirty="0" smtClean="0"/>
+              <a:t>framework</a:t>
+            </a:r>
+            <a:endParaRPr lang="en-US" dirty="0" smtClean="0"/>
           </a:p>
           <a:p>
             <a:pPr lvl="1"/>
             <a:r>
               <a:rPr lang="en-US" dirty="0" smtClean="0"/>
-              <a:t>Home Page</a:t>
-            </a:r>
-          </a:p>
-          <a:p>
+              <a:t>Home </a:t>
+            </a:r>
             <a:r>
               <a:rPr lang="en-US" dirty="0" smtClean="0"/>
-              <a:t>After each page was built we worked together as a team to combine each page and sync with the database </a:t>
+              <a:t>Page framework</a:t>
+            </a:r>
+            <a:endParaRPr lang="en-US" dirty="0" smtClean="0"/>
+          </a:p>
+          <a:p>
+            <a:r>
+              <a:rPr lang="en-US" dirty="0" smtClean="0"/>
+              <a:t>After </a:t>
+            </a:r>
+            <a:r>
+              <a:rPr lang="en-US" dirty="0" smtClean="0"/>
+              <a:t>frameworks were built, we came together as a team to style and add functionality to pages.</a:t>
             </a:r>
             <a:endParaRPr lang="en-US" dirty="0"/>
           </a:p>
@@ -8522,13 +8576,13 @@
   <p:clrMapOvr>
     <a:masterClrMapping/>
   </p:clrMapOvr>
-  <mc:AlternateContent xmlns:mc="http://schemas.openxmlformats.org/markup-compatibility/2006">
-    <mc:Choice xmlns:p14="http://schemas.microsoft.com/office/powerpoint/2010/main" Requires="p14">
+  <mc:AlternateContent xmlns:mc="http://schemas.openxmlformats.org/markup-compatibility/2006" xmlns:p14="http://schemas.microsoft.com/office/powerpoint/2010/main">
+    <mc:Choice Requires="p14">
       <p:transition spd="slow" p14:dur="1400">
         <p14:ripple/>
       </p:transition>
     </mc:Choice>
-    <mc:Fallback>
+    <mc:Fallback xmlns="">
       <p:transition spd="slow">
         <p:fade/>
       </p:transition>
@@ -8633,6 +8687,14 @@
               <a:rPr lang="en-US" dirty="0" smtClean="0"/>
               <a:t>Finding errors </a:t>
             </a:r>
+            <a:endParaRPr lang="en-US" dirty="0" smtClean="0"/>
+          </a:p>
+          <a:p>
+            <a:r>
+              <a:rPr lang="en-US" dirty="0" smtClean="0"/>
+              <a:t>Talent vs Vision</a:t>
+            </a:r>
+            <a:endParaRPr lang="en-US" dirty="0" smtClean="0"/>
           </a:p>
           <a:p>
             <a:endParaRPr lang="en-US" dirty="0" smtClean="0"/>
@@ -8655,13 +8717,13 @@
   <p:clrMapOvr>
     <a:masterClrMapping/>
   </p:clrMapOvr>
-  <mc:AlternateContent xmlns:mc="http://schemas.openxmlformats.org/markup-compatibility/2006">
-    <mc:Choice xmlns:p14="http://schemas.microsoft.com/office/powerpoint/2010/main" Requires="p14">
+  <mc:AlternateContent xmlns:mc="http://schemas.openxmlformats.org/markup-compatibility/2006" xmlns:p14="http://schemas.microsoft.com/office/powerpoint/2010/main">
+    <mc:Choice Requires="p14">
       <p:transition spd="slow" p14:dur="1400">
         <p14:ripple/>
       </p:transition>
     </mc:Choice>
-    <mc:Fallback>
+    <mc:Fallback xmlns="">
       <p:transition spd="slow">
         <p:fade/>
       </p:transition>
